--- a/Project Presentation.pptx
+++ b/Project Presentation.pptx
@@ -17523,7 +17523,7 @@
               <a:t> the </a:t>
             </a:r>
             <a:r>
-              <a:rPr lang="it-IT" sz="2200" dirty="0" err="1">
+              <a:rPr lang="it-IT" sz="2200" b="1" dirty="0" err="1">
                 <a:solidFill>
                   <a:srgbClr val="003366"/>
                 </a:solidFill>
@@ -17531,15 +17531,23 @@
               <a:t>main</a:t>
             </a:r>
             <a:r>
-              <a:rPr lang="it-IT" sz="2200" dirty="0">
-                <a:solidFill>
-                  <a:srgbClr val="003366"/>
-                </a:solidFill>
-              </a:rPr>
-              <a:t> features and </a:t>
-            </a:r>
-            <a:r>
-              <a:rPr lang="it-IT" sz="2200" dirty="0" err="1">
+              <a:rPr lang="it-IT" sz="2200" b="1" dirty="0">
+                <a:solidFill>
+                  <a:srgbClr val="003366"/>
+                </a:solidFill>
+              </a:rPr>
+              <a:t> features</a:t>
+            </a:r>
+            <a:r>
+              <a:rPr lang="it-IT" sz="2200" dirty="0">
+                <a:solidFill>
+                  <a:srgbClr val="003366"/>
+                </a:solidFill>
+              </a:rPr>
+              <a:t> and </a:t>
+            </a:r>
+            <a:r>
+              <a:rPr lang="it-IT" sz="2200" b="1" dirty="0" err="1">
                 <a:solidFill>
                   <a:srgbClr val="003366"/>
                 </a:solidFill>
@@ -17603,7 +17611,7 @@
               <a:t> </a:t>
             </a:r>
             <a:r>
-              <a:rPr lang="it-IT" sz="2200" dirty="0" err="1">
+              <a:rPr lang="it-IT" sz="2200" b="1" dirty="0" err="1">
                 <a:solidFill>
                   <a:srgbClr val="003366"/>
                 </a:solidFill>
@@ -26571,7 +26579,7 @@
               <a:t> to estimate the </a:t>
             </a:r>
             <a:r>
-              <a:rPr lang="it-IT" sz="1800" dirty="0" err="1">
+              <a:rPr lang="it-IT" sz="1800" b="1" dirty="0" err="1">
                 <a:solidFill>
                   <a:srgbClr val="003366"/>
                 </a:solidFill>
@@ -26584,10 +26592,26 @@
                   <a:srgbClr val="003366"/>
                 </a:solidFill>
               </a:rPr>
-              <a:t>, the cost and the </a:t>
-            </a:r>
-            <a:r>
-              <a:rPr lang="it-IT" sz="1800" dirty="0" err="1">
+              <a:t>, the </a:t>
+            </a:r>
+            <a:r>
+              <a:rPr lang="it-IT" sz="1800" b="1" dirty="0">
+                <a:solidFill>
+                  <a:srgbClr val="003366"/>
+                </a:solidFill>
+              </a:rPr>
+              <a:t>cost</a:t>
+            </a:r>
+            <a:r>
+              <a:rPr lang="it-IT" sz="1800" dirty="0">
+                <a:solidFill>
+                  <a:srgbClr val="003366"/>
+                </a:solidFill>
+              </a:rPr>
+              <a:t> and the </a:t>
+            </a:r>
+            <a:r>
+              <a:rPr lang="it-IT" sz="1800" b="1" dirty="0" err="1">
                 <a:solidFill>
                   <a:srgbClr val="003366"/>
                 </a:solidFill>
@@ -28232,79 +28256,6 @@
               <a:t>.</a:t>
             </a:r>
           </a:p>
-          <a:p>
-            <a:pPr lvl="0" algn="just" rtl="0">
-              <a:spcBef>
-                <a:spcPts val="0"/>
-              </a:spcBef>
-              <a:buNone/>
-            </a:pPr>
-            <a:endParaRPr lang="it-IT" sz="2200" dirty="0">
-              <a:solidFill>
-                <a:srgbClr val="003366"/>
-              </a:solidFill>
-            </a:endParaRPr>
-          </a:p>
-          <a:p>
-            <a:pPr lvl="0" algn="just" rtl="0">
-              <a:spcBef>
-                <a:spcPts val="0"/>
-              </a:spcBef>
-              <a:buNone/>
-            </a:pPr>
-            <a:endParaRPr lang="it-IT" sz="2200" dirty="0">
-              <a:solidFill>
-                <a:srgbClr val="003366"/>
-              </a:solidFill>
-            </a:endParaRPr>
-          </a:p>
-          <a:p>
-            <a:pPr lvl="0" algn="just" rtl="0">
-              <a:spcBef>
-                <a:spcPts val="0"/>
-              </a:spcBef>
-              <a:buNone/>
-            </a:pPr>
-            <a:endParaRPr lang="it-IT" sz="2200" dirty="0">
-              <a:solidFill>
-                <a:srgbClr val="003366"/>
-              </a:solidFill>
-            </a:endParaRPr>
-          </a:p>
-          <a:p>
-            <a:pPr lvl="0" algn="just" rtl="0">
-              <a:spcBef>
-                <a:spcPts val="0"/>
-              </a:spcBef>
-              <a:buNone/>
-            </a:pPr>
-            <a:endParaRPr lang="it-IT" sz="2200" dirty="0">
-              <a:solidFill>
-                <a:srgbClr val="003366"/>
-              </a:solidFill>
-            </a:endParaRPr>
-          </a:p>
-          <a:p>
-            <a:pPr lvl="0" algn="just" rtl="0">
-              <a:spcBef>
-                <a:spcPts val="0"/>
-              </a:spcBef>
-              <a:buNone/>
-            </a:pPr>
-            <a:r>
-              <a:rPr lang="it-IT" sz="2200" dirty="0">
-                <a:solidFill>
-                  <a:srgbClr val="003366"/>
-                </a:solidFill>
-              </a:rPr>
-              <a:t>LOGO OFBIZ</a:t>
-            </a:r>
-            <a:endParaRPr sz="2200" dirty="0">
-              <a:solidFill>
-                <a:srgbClr val="003366"/>
-              </a:solidFill>
-            </a:endParaRPr>
-          </a:p>
         </p:txBody>
       </p:sp>
       <p:pic>
@@ -28517,6 +28468,47 @@
           </a:p>
         </p:txBody>
       </p:sp>
+      <p:pic>
+        <p:nvPicPr>
+          <p:cNvPr id="1028" name="Picture 4" descr="https://www.magnolia-cms.com/.imaging/stk/corporate2015/half/dam/connectors-logos/ofbiz-logo.jpg/jcr:content/ofbiz-logo.jpg.jpg"/>
+          <p:cNvPicPr>
+            <a:picLocks noChangeAspect="1" noChangeArrowheads="1"/>
+          </p:cNvPicPr>
+          <p:nvPr/>
+        </p:nvPicPr>
+        <p:blipFill>
+          <a:blip r:embed="rId6">
+            <a:extLst>
+              <a:ext uri="{28A0092B-C50C-407E-A947-70E740481C1C}">
+                <a14:useLocalDpi xmlns:a14="http://schemas.microsoft.com/office/drawing/2010/main" val="0"/>
+              </a:ext>
+            </a:extLst>
+          </a:blip>
+          <a:srcRect/>
+          <a:stretch>
+            <a:fillRect/>
+          </a:stretch>
+        </p:blipFill>
+        <p:spPr bwMode="auto">
+          <a:xfrm>
+            <a:off x="3183482" y="4090500"/>
+            <a:ext cx="2777034" cy="1814329"/>
+          </a:xfrm>
+          <a:prstGeom prst="rect">
+            <a:avLst/>
+          </a:prstGeom>
+          <a:noFill/>
+          <a:extLst>
+            <a:ext uri="{909E8E84-426E-40DD-AFC4-6F175D3DCCD1}">
+              <a14:hiddenFill xmlns:a14="http://schemas.microsoft.com/office/drawing/2010/main">
+                <a:solidFill>
+                  <a:srgbClr val="FFFFFF"/>
+                </a:solidFill>
+              </a14:hiddenFill>
+            </a:ext>
+          </a:extLst>
+        </p:spPr>
+      </p:pic>
     </p:spTree>
     <p:extLst>
       <p:ext uri="{BB962C8B-B14F-4D97-AF65-F5344CB8AC3E}">

--- a/Project Presentation.pptx
+++ b/Project Presentation.pptx
@@ -16579,7 +16579,7 @@
                   <a:srgbClr val="003366"/>
                 </a:solidFill>
               </a:rPr>
-              <a:t>Perisistence</a:t>
+              <a:t>Persistence</a:t>
             </a:r>
             <a:r>
               <a:rPr lang="it-IT" sz="1600" dirty="0">
@@ -34277,7 +34277,7 @@
                   <a:srgbClr val="003366"/>
                 </a:solidFill>
               </a:rPr>
-              <a:t>PPD – Risks and </a:t>
+              <a:t>Risks and </a:t>
             </a:r>
             <a:r>
               <a:rPr lang="it-IT" sz="3000" dirty="0" err="1">

--- a/Project Presentation.pptx
+++ b/Project Presentation.pptx
@@ -35174,12 +35174,20 @@
               <a:buChar char="•"/>
             </a:pPr>
             <a:r>
+              <a:rPr lang="it-IT" sz="1800" u="sng" dirty="0" err="1">
+                <a:solidFill>
+                  <a:srgbClr val="003366"/>
+                </a:solidFill>
+              </a:rPr>
+              <a:t>Bankruptcy</a:t>
+            </a:r>
+            <a:r>
               <a:rPr lang="it-IT" sz="1800" u="sng" dirty="0">
                 <a:solidFill>
                   <a:srgbClr val="003366"/>
                 </a:solidFill>
               </a:rPr>
-              <a:t>Competitors:</a:t>
+              <a:t>:</a:t>
             </a:r>
             <a:r>
               <a:rPr lang="it-IT" sz="1800" dirty="0">
@@ -35187,7 +35195,7 @@
                   <a:srgbClr val="003366"/>
                 </a:solidFill>
               </a:rPr>
-              <a:t> in </a:t>
+              <a:t> a </a:t>
             </a:r>
             <a:r>
               <a:rPr lang="it-IT" sz="1800" dirty="0" err="1">
@@ -35195,7 +35203,7 @@
                   <a:srgbClr val="003366"/>
                 </a:solidFill>
               </a:rPr>
-              <a:t>order</a:t>
+              <a:t>good</a:t>
             </a:r>
             <a:r>
               <a:rPr lang="it-IT" sz="1800" dirty="0">
@@ -35203,7 +35211,7 @@
                   <a:srgbClr val="003366"/>
                 </a:solidFill>
               </a:rPr>
-              <a:t> to </a:t>
+              <a:t> </a:t>
             </a:r>
             <a:r>
               <a:rPr lang="it-IT" sz="1800" dirty="0" err="1">
@@ -35211,7 +35219,7 @@
                   <a:srgbClr val="003366"/>
                 </a:solidFill>
               </a:rPr>
-              <a:t>avoid</a:t>
+              <a:t>feasibility</a:t>
             </a:r>
             <a:r>
               <a:rPr lang="it-IT" sz="1800" dirty="0">
@@ -35227,7 +35235,7 @@
                   <a:srgbClr val="003366"/>
                 </a:solidFill>
               </a:rPr>
-              <a:t>economical</a:t>
+              <a:t>study</a:t>
             </a:r>
             <a:r>
               <a:rPr lang="it-IT" sz="1800" dirty="0">
@@ -35243,7 +35251,7 @@
                   <a:srgbClr val="003366"/>
                 </a:solidFill>
               </a:rPr>
-              <a:t>losses</a:t>
+              <a:t>should</a:t>
             </a:r>
             <a:r>
               <a:rPr lang="it-IT" sz="1800" dirty="0">
@@ -35251,6 +35259,22 @@
                   <a:srgbClr val="003366"/>
                 </a:solidFill>
               </a:rPr>
+              <a:t> help </a:t>
+            </a:r>
+            <a:r>
+              <a:rPr lang="it-IT" sz="1800" dirty="0" err="1">
+                <a:solidFill>
+                  <a:srgbClr val="003366"/>
+                </a:solidFill>
+              </a:rPr>
+              <a:t>avoiding</a:t>
+            </a:r>
+            <a:r>
+              <a:rPr lang="it-IT" sz="1800" dirty="0">
+                <a:solidFill>
+                  <a:srgbClr val="003366"/>
+                </a:solidFill>
+              </a:rPr>
               <a:t> </a:t>
             </a:r>
             <a:r>
@@ -35259,7 +35283,7 @@
                   <a:srgbClr val="003366"/>
                 </a:solidFill>
               </a:rPr>
-              <a:t>brought</a:t>
+              <a:t>this</a:t>
             </a:r>
             <a:r>
               <a:rPr lang="it-IT" sz="1800" dirty="0">
@@ -35267,7 +35291,7 @@
                   <a:srgbClr val="003366"/>
                 </a:solidFill>
               </a:rPr>
-              <a:t> by </a:t>
+              <a:t> </a:t>
             </a:r>
             <a:r>
               <a:rPr lang="it-IT" sz="1800" dirty="0" err="1">
@@ -35275,7 +35299,15 @@
                   <a:srgbClr val="003366"/>
                 </a:solidFill>
               </a:rPr>
-              <a:t>possible</a:t>
+              <a:t>critical</a:t>
+            </a:r>
+            <a:r>
+              <a:rPr lang="it-IT" sz="1800">
+                <a:solidFill>
+                  <a:srgbClr val="003366"/>
+                </a:solidFill>
+              </a:rPr>
+              <a:t> situation</a:t>
             </a:r>
             <a:r>
               <a:rPr lang="it-IT" sz="1800" dirty="0">
@@ -35283,135 +35315,7 @@
                   <a:srgbClr val="003366"/>
                 </a:solidFill>
               </a:rPr>
-              <a:t> competitors, </a:t>
-            </a:r>
-            <a:r>
-              <a:rPr lang="it-IT" sz="1800" dirty="0" err="1">
-                <a:solidFill>
-                  <a:srgbClr val="003366"/>
-                </a:solidFill>
-              </a:rPr>
-              <a:t>we</a:t>
-            </a:r>
-            <a:r>
-              <a:rPr lang="it-IT" sz="1800" dirty="0">
-                <a:solidFill>
-                  <a:srgbClr val="003366"/>
-                </a:solidFill>
-              </a:rPr>
-              <a:t> must </a:t>
-            </a:r>
-            <a:r>
-              <a:rPr lang="it-IT" sz="1800" dirty="0" err="1">
-                <a:solidFill>
-                  <a:srgbClr val="003366"/>
-                </a:solidFill>
-              </a:rPr>
-              <a:t>continuously</a:t>
-            </a:r>
-            <a:r>
-              <a:rPr lang="it-IT" sz="1800" dirty="0">
-                <a:solidFill>
-                  <a:srgbClr val="003366"/>
-                </a:solidFill>
-              </a:rPr>
-              <a:t> </a:t>
-            </a:r>
-            <a:r>
-              <a:rPr lang="it-IT" sz="1800" dirty="0" err="1">
-                <a:solidFill>
-                  <a:srgbClr val="003366"/>
-                </a:solidFill>
-              </a:rPr>
-              <a:t>provide</a:t>
-            </a:r>
-            <a:r>
-              <a:rPr lang="it-IT" sz="1800" dirty="0">
-                <a:solidFill>
-                  <a:srgbClr val="003366"/>
-                </a:solidFill>
-              </a:rPr>
-              <a:t> new </a:t>
-            </a:r>
-            <a:r>
-              <a:rPr lang="it-IT" sz="1800" dirty="0" err="1">
-                <a:solidFill>
-                  <a:srgbClr val="003366"/>
-                </a:solidFill>
-              </a:rPr>
-              <a:t>appealing</a:t>
-            </a:r>
-            <a:r>
-              <a:rPr lang="it-IT" sz="1800" dirty="0">
-                <a:solidFill>
-                  <a:srgbClr val="003366"/>
-                </a:solidFill>
-              </a:rPr>
-              <a:t> </a:t>
-            </a:r>
-            <a:r>
-              <a:rPr lang="it-IT" sz="1800" dirty="0" err="1">
-                <a:solidFill>
-                  <a:srgbClr val="003366"/>
-                </a:solidFill>
-              </a:rPr>
-              <a:t>functionalities</a:t>
-            </a:r>
-            <a:r>
-              <a:rPr lang="it-IT" sz="1800" dirty="0">
-                <a:solidFill>
-                  <a:srgbClr val="003366"/>
-                </a:solidFill>
-              </a:rPr>
-              <a:t> </a:t>
-            </a:r>
-            <a:r>
-              <a:rPr lang="it-IT" sz="1800" dirty="0" err="1">
-                <a:solidFill>
-                  <a:srgbClr val="003366"/>
-                </a:solidFill>
-              </a:rPr>
-              <a:t>also</a:t>
-            </a:r>
-            <a:r>
-              <a:rPr lang="it-IT" sz="1800" dirty="0">
-                <a:solidFill>
-                  <a:srgbClr val="003366"/>
-                </a:solidFill>
-              </a:rPr>
-              <a:t> </a:t>
-            </a:r>
-            <a:r>
-              <a:rPr lang="it-IT" sz="1800" dirty="0" err="1">
-                <a:solidFill>
-                  <a:srgbClr val="003366"/>
-                </a:solidFill>
-              </a:rPr>
-              <a:t>based</a:t>
-            </a:r>
-            <a:r>
-              <a:rPr lang="it-IT" sz="1800" dirty="0">
-                <a:solidFill>
-                  <a:srgbClr val="003366"/>
-                </a:solidFill>
-              </a:rPr>
-              <a:t> on the </a:t>
-            </a:r>
-            <a:r>
-              <a:rPr lang="it-IT" sz="1800" dirty="0" err="1">
-                <a:solidFill>
-                  <a:srgbClr val="003366"/>
-                </a:solidFill>
-              </a:rPr>
-              <a:t>customer</a:t>
-            </a:r>
-            <a:r>
-              <a:rPr lang="it-IT" sz="1800" dirty="0">
-                <a:solidFill>
-                  <a:srgbClr val="003366"/>
-                </a:solidFill>
-              </a:rPr>
-              <a:t> feedback.</a:t>
+              <a:t>.</a:t>
             </a:r>
           </a:p>
         </p:txBody>
